--- a/NoSQL.pptx
+++ b/NoSQL.pptx
@@ -5,7 +5,7 @@
     <p:sldMasterId id="2147483648" r:id="rId1"/>
   </p:sldMasterIdLst>
   <p:notesMasterIdLst>
-    <p:notesMasterId r:id="rId9"/>
+    <p:notesMasterId r:id="rId11"/>
   </p:notesMasterIdLst>
   <p:sldIdLst>
     <p:sldId id="256" r:id="rId2"/>
@@ -14,7 +14,9 @@
     <p:sldId id="259" r:id="rId5"/>
     <p:sldId id="260" r:id="rId6"/>
     <p:sldId id="261" r:id="rId7"/>
-    <p:sldId id="262" r:id="rId8"/>
+    <p:sldId id="263" r:id="rId8"/>
+    <p:sldId id="262" r:id="rId9"/>
+    <p:sldId id="264" r:id="rId10"/>
   </p:sldIdLst>
   <p:sldSz cx="12192000" cy="6858000"/>
   <p:notesSz cx="6858000" cy="9144000"/>
@@ -1705,7 +1707,7 @@
                 <a:ea typeface="+mn-ea"/>
                 <a:cs typeface="+mn-cs"/>
               </a:rPr>
-              <a:t>Application Side Join</a:t>
+              <a:t>Ordered KV Store </a:t>
             </a:r>
             <a:r>
               <a:rPr lang="ko-KR" altLang="en-US" sz="1200" b="0" i="0" kern="1200" dirty="0">
@@ -1717,10 +1719,10 @@
                 <a:ea typeface="+mn-ea"/>
                 <a:cs typeface="+mn-cs"/>
               </a:rPr>
-              <a:t>은 </a:t>
-            </a:r>
-            <a:r>
-              <a:rPr lang="en-US" altLang="ko-KR" sz="1200" b="0" i="0" kern="1200" dirty="0">
+              <a:t>같은 경우 이 키를 이용하여 </a:t>
+            </a:r>
+            <a:r>
+              <a:rPr lang="en-US" altLang="ko-KR" sz="1200" b="0" i="0" kern="1200" dirty="0" err="1">
                 <a:solidFill>
                   <a:schemeClr val="tx1"/>
                 </a:solidFill>
@@ -1729,7 +1731,7 @@
                 <a:ea typeface="+mn-ea"/>
                 <a:cs typeface="+mn-cs"/>
               </a:rPr>
-              <a:t>Join</a:t>
+              <a:t>orderby</a:t>
             </a:r>
             <a:r>
               <a:rPr lang="ko-KR" altLang="en-US" sz="1200" b="0" i="0" kern="1200" dirty="0">
@@ -1741,10 +1743,10 @@
                 <a:ea typeface="+mn-ea"/>
                 <a:cs typeface="+mn-cs"/>
               </a:rPr>
-              <a:t>이 필요한 테이블 수 만큼 </a:t>
-            </a:r>
-            <a:r>
-              <a:rPr lang="en-US" altLang="ko-KR" sz="1200" b="0" i="0" kern="1200" dirty="0">
+              <a:t>나 </a:t>
+            </a:r>
+            <a:r>
+              <a:rPr lang="en-US" altLang="ko-KR" sz="1200" b="0" i="0" kern="1200" dirty="0" err="1">
                 <a:solidFill>
                   <a:schemeClr val="tx1"/>
                 </a:solidFill>
@@ -1753,10 +1755,10 @@
                 <a:ea typeface="+mn-ea"/>
                 <a:cs typeface="+mn-cs"/>
               </a:rPr>
-              <a:t>NoSQL</a:t>
-            </a:r>
-            <a:r>
-              <a:rPr lang="ko-KR" altLang="en-US" sz="1200" b="0" i="0" kern="1200" dirty="0">
+              <a:t>groupby</a:t>
+            </a:r>
+            <a:r>
+              <a:rPr lang="en-US" altLang="ko-KR" sz="1200" b="0" i="0" kern="1200" dirty="0">
                 <a:solidFill>
                   <a:schemeClr val="tx1"/>
                 </a:solidFill>
@@ -1765,10 +1767,10 @@
                 <a:ea typeface="+mn-ea"/>
                 <a:cs typeface="+mn-cs"/>
               </a:rPr>
-              <a:t>로의 </a:t>
-            </a:r>
-            <a:r>
-              <a:rPr lang="en-US" altLang="ko-KR" sz="1200" b="0" i="0" kern="1200" dirty="0">
+              <a:t> </a:t>
+            </a:r>
+            <a:r>
+              <a:rPr lang="ko-KR" altLang="en-US" sz="1200" b="0" i="0" kern="1200" dirty="0">
                 <a:solidFill>
                   <a:schemeClr val="tx1"/>
                 </a:solidFill>
@@ -1777,10 +1779,10 @@
                 <a:ea typeface="+mn-ea"/>
                 <a:cs typeface="+mn-cs"/>
               </a:rPr>
-              <a:t>Request/Response IO</a:t>
-            </a:r>
-            <a:r>
-              <a:rPr lang="ko-KR" altLang="en-US" sz="1200" b="0" i="0" kern="1200" dirty="0">
+              <a:t>등에 활용할 수 있다</a:t>
+            </a:r>
+            <a:r>
+              <a:rPr lang="en-US" altLang="ko-KR" sz="1200" b="0" i="0" kern="1200" dirty="0">
                 <a:solidFill>
                   <a:schemeClr val="tx1"/>
                 </a:solidFill>
@@ -1789,71 +1791,8 @@
                 <a:ea typeface="+mn-ea"/>
                 <a:cs typeface="+mn-cs"/>
               </a:rPr>
-              <a:t>가 발생하는 만큼 다소 부담 스럽기는 하지만</a:t>
-            </a:r>
-            <a:r>
-              <a:rPr lang="en-US" altLang="ko-KR" sz="1200" b="0" i="0" kern="1200" dirty="0">
-                <a:solidFill>
-                  <a:schemeClr val="tx1"/>
-                </a:solidFill>
-                <a:effectLst/>
-                <a:latin typeface="+mn-lt"/>
-                <a:ea typeface="+mn-ea"/>
-                <a:cs typeface="+mn-cs"/>
-              </a:rPr>
-              <a:t>, </a:t>
-            </a:r>
-            <a:r>
-              <a:rPr lang="ko-KR" altLang="en-US" sz="1200" b="0" i="0" kern="1200" dirty="0">
-                <a:solidFill>
-                  <a:schemeClr val="tx1"/>
-                </a:solidFill>
-                <a:effectLst/>
-                <a:latin typeface="+mn-lt"/>
-                <a:ea typeface="+mn-ea"/>
-                <a:cs typeface="+mn-cs"/>
-              </a:rPr>
-              <a:t>반대로 </a:t>
-            </a:r>
-            <a:r>
-              <a:rPr lang="en-US" altLang="ko-KR" sz="1200" b="0" i="0" kern="1200" dirty="0">
-                <a:solidFill>
-                  <a:schemeClr val="tx1"/>
-                </a:solidFill>
-                <a:effectLst/>
-                <a:latin typeface="+mn-lt"/>
-                <a:ea typeface="+mn-ea"/>
-                <a:cs typeface="+mn-cs"/>
-              </a:rPr>
-              <a:t>Denormalization</a:t>
-            </a:r>
-            <a:r>
-              <a:rPr lang="ko-KR" altLang="en-US" sz="1200" b="0" i="0" kern="1200" dirty="0">
-                <a:solidFill>
-                  <a:schemeClr val="tx1"/>
-                </a:solidFill>
-                <a:effectLst/>
-                <a:latin typeface="+mn-lt"/>
-                <a:ea typeface="+mn-ea"/>
-                <a:cs typeface="+mn-cs"/>
-              </a:rPr>
-              <a:t>등에 비해서는 스토리지 사용량을 절약할 수 있다</a:t>
-            </a:r>
-            <a:r>
-              <a:rPr lang="en-US" altLang="ko-KR" sz="1200" b="0" i="0" kern="1200" dirty="0">
-                <a:solidFill>
-                  <a:schemeClr val="tx1"/>
-                </a:solidFill>
-                <a:effectLst/>
-                <a:latin typeface="+mn-lt"/>
-                <a:ea typeface="+mn-ea"/>
-                <a:cs typeface="+mn-cs"/>
-              </a:rPr>
               <a:t>.</a:t>
             </a:r>
-            <a:br>
-              <a:rPr lang="ko-KR" altLang="en-US" dirty="0"/>
-            </a:br>
             <a:endParaRPr lang="en-US" dirty="0"/>
           </a:p>
         </p:txBody>
@@ -1980,7 +1919,199 @@
     </p:spTree>
     <p:extLst>
       <p:ext uri="{BB962C8B-B14F-4D97-AF65-F5344CB8AC3E}">
+        <p14:creationId xmlns:p14="http://schemas.microsoft.com/office/powerpoint/2010/main" val="165805634"/>
+      </p:ext>
+    </p:extLst>
+  </p:cSld>
+  <p:clrMapOvr>
+    <a:masterClrMapping/>
+  </p:clrMapOvr>
+</p:notes>
+</file>
+
+<file path=ppt/notesSlides/notesSlide7.xml><?xml version="1.0" encoding="utf-8"?>
+<p:notes xmlns:a="http://schemas.openxmlformats.org/drawingml/2006/main" xmlns:r="http://schemas.openxmlformats.org/officeDocument/2006/relationships" xmlns:p="http://schemas.openxmlformats.org/presentationml/2006/main">
+  <p:cSld>
+    <p:spTree>
+      <p:nvGrpSpPr>
+        <p:cNvPr id="1" name=""/>
+        <p:cNvGrpSpPr/>
+        <p:nvPr/>
+      </p:nvGrpSpPr>
+      <p:grpSpPr>
+        <a:xfrm>
+          <a:off x="0" y="0"/>
+          <a:ext cx="0" cy="0"/>
+          <a:chOff x="0" y="0"/>
+          <a:chExt cx="0" cy="0"/>
+        </a:xfrm>
+      </p:grpSpPr>
+      <p:sp>
+        <p:nvSpPr>
+          <p:cNvPr id="2" name="Slide Image Placeholder 1"/>
+          <p:cNvSpPr>
+            <a:spLocks noGrp="1" noRot="1" noChangeAspect="1"/>
+          </p:cNvSpPr>
+          <p:nvPr>
+            <p:ph type="sldImg"/>
+          </p:nvPr>
+        </p:nvSpPr>
+        <p:spPr/>
+      </p:sp>
+      <p:sp>
+        <p:nvSpPr>
+          <p:cNvPr id="3" name="Notes Placeholder 2"/>
+          <p:cNvSpPr>
+            <a:spLocks noGrp="1"/>
+          </p:cNvSpPr>
+          <p:nvPr>
+            <p:ph type="body" idx="1"/>
+          </p:nvPr>
+        </p:nvSpPr>
+        <p:spPr/>
+        <p:txBody>
+          <a:bodyPr/>
+          <a:lstStyle/>
+          <a:p>
+            <a:r>
+              <a:rPr lang="en-US" altLang="ko-KR" sz="1200" b="0" i="0" kern="1200">
+                <a:solidFill>
+                  <a:schemeClr val="tx1"/>
+                </a:solidFill>
+                <a:effectLst/>
+                <a:latin typeface="+mn-lt"/>
+                <a:ea typeface="+mn-ea"/>
+                <a:cs typeface="+mn-cs"/>
+              </a:rPr>
+              <a:t>https://bcho.tistory.com/666?category=431293</a:t>
+            </a:r>
+            <a:endParaRPr lang="en-US" dirty="0"/>
+          </a:p>
+        </p:txBody>
+      </p:sp>
+      <p:sp>
+        <p:nvSpPr>
+          <p:cNvPr id="4" name="Slide Number Placeholder 3"/>
+          <p:cNvSpPr>
+            <a:spLocks noGrp="1"/>
+          </p:cNvSpPr>
+          <p:nvPr>
+            <p:ph type="sldNum" sz="quarter" idx="5"/>
+          </p:nvPr>
+        </p:nvSpPr>
+        <p:spPr/>
+        <p:txBody>
+          <a:bodyPr/>
+          <a:lstStyle/>
+          <a:p>
+            <a:fld id="{9CCB2FE8-5A4E-411E-98E9-7037462713E5}" type="slidenum">
+              <a:rPr lang="en-US" smtClean="0"/>
+              <a:t>8</a:t>
+            </a:fld>
+            <a:endParaRPr lang="en-US"/>
+          </a:p>
+        </p:txBody>
+      </p:sp>
+    </p:spTree>
+    <p:extLst>
+      <p:ext uri="{BB962C8B-B14F-4D97-AF65-F5344CB8AC3E}">
         <p14:creationId xmlns:p14="http://schemas.microsoft.com/office/powerpoint/2010/main" val="2718734894"/>
+      </p:ext>
+    </p:extLst>
+  </p:cSld>
+  <p:clrMapOvr>
+    <a:masterClrMapping/>
+  </p:clrMapOvr>
+</p:notes>
+</file>
+
+<file path=ppt/notesSlides/notesSlide8.xml><?xml version="1.0" encoding="utf-8"?>
+<p:notes xmlns:a="http://schemas.openxmlformats.org/drawingml/2006/main" xmlns:r="http://schemas.openxmlformats.org/officeDocument/2006/relationships" xmlns:p="http://schemas.openxmlformats.org/presentationml/2006/main">
+  <p:cSld>
+    <p:spTree>
+      <p:nvGrpSpPr>
+        <p:cNvPr id="1" name=""/>
+        <p:cNvGrpSpPr/>
+        <p:nvPr/>
+      </p:nvGrpSpPr>
+      <p:grpSpPr>
+        <a:xfrm>
+          <a:off x="0" y="0"/>
+          <a:ext cx="0" cy="0"/>
+          <a:chOff x="0" y="0"/>
+          <a:chExt cx="0" cy="0"/>
+        </a:xfrm>
+      </p:grpSpPr>
+      <p:sp>
+        <p:nvSpPr>
+          <p:cNvPr id="2" name="Slide Image Placeholder 1"/>
+          <p:cNvSpPr>
+            <a:spLocks noGrp="1" noRot="1" noChangeAspect="1"/>
+          </p:cNvSpPr>
+          <p:nvPr>
+            <p:ph type="sldImg"/>
+          </p:nvPr>
+        </p:nvSpPr>
+        <p:spPr/>
+      </p:sp>
+      <p:sp>
+        <p:nvSpPr>
+          <p:cNvPr id="3" name="Notes Placeholder 2"/>
+          <p:cNvSpPr>
+            <a:spLocks noGrp="1"/>
+          </p:cNvSpPr>
+          <p:nvPr>
+            <p:ph type="body" idx="1"/>
+          </p:nvPr>
+        </p:nvSpPr>
+        <p:spPr/>
+        <p:txBody>
+          <a:bodyPr/>
+          <a:lstStyle/>
+          <a:p>
+            <a:r>
+              <a:rPr lang="en-US" altLang="ko-KR" sz="1200" b="0" i="0" kern="1200">
+                <a:solidFill>
+                  <a:schemeClr val="tx1"/>
+                </a:solidFill>
+                <a:effectLst/>
+                <a:latin typeface="+mn-lt"/>
+                <a:ea typeface="+mn-ea"/>
+                <a:cs typeface="+mn-cs"/>
+              </a:rPr>
+              <a:t>https://bcho.tistory.com/666?category=431293</a:t>
+            </a:r>
+            <a:endParaRPr lang="en-US" dirty="0"/>
+          </a:p>
+        </p:txBody>
+      </p:sp>
+      <p:sp>
+        <p:nvSpPr>
+          <p:cNvPr id="4" name="Slide Number Placeholder 3"/>
+          <p:cNvSpPr>
+            <a:spLocks noGrp="1"/>
+          </p:cNvSpPr>
+          <p:nvPr>
+            <p:ph type="sldNum" sz="quarter" idx="5"/>
+          </p:nvPr>
+        </p:nvSpPr>
+        <p:spPr/>
+        <p:txBody>
+          <a:bodyPr/>
+          <a:lstStyle/>
+          <a:p>
+            <a:fld id="{9CCB2FE8-5A4E-411E-98E9-7037462713E5}" type="slidenum">
+              <a:rPr lang="en-US" smtClean="0"/>
+              <a:t>9</a:t>
+            </a:fld>
+            <a:endParaRPr lang="en-US"/>
+          </a:p>
+        </p:txBody>
+      </p:sp>
+    </p:spTree>
+    <p:extLst>
+      <p:ext uri="{BB962C8B-B14F-4D97-AF65-F5344CB8AC3E}">
+        <p14:creationId xmlns:p14="http://schemas.microsoft.com/office/powerpoint/2010/main" val="3177808019"/>
       </p:ext>
     </p:extLst>
   </p:cSld>
@@ -7641,7 +7772,7 @@
         </p:nvSpPr>
         <p:spPr>
           <a:xfrm>
-            <a:off x="262234" y="2690336"/>
+            <a:off x="6096000" y="1378513"/>
             <a:ext cx="4550137" cy="738664"/>
           </a:xfrm>
           <a:prstGeom prst="rect">
@@ -7772,7 +7903,7 @@
         </p:nvSpPr>
         <p:spPr>
           <a:xfrm>
-            <a:off x="205896" y="3594848"/>
+            <a:off x="205896" y="2621452"/>
             <a:ext cx="3525004" cy="400110"/>
           </a:xfrm>
           <a:prstGeom prst="rect">
@@ -7807,7 +7938,7 @@
         </p:nvCxnSpPr>
         <p:spPr>
           <a:xfrm>
-            <a:off x="227805" y="4026700"/>
+            <a:off x="227805" y="3053304"/>
             <a:ext cx="11600953" cy="0"/>
           </a:xfrm>
           <a:prstGeom prst="line">
@@ -7850,7 +7981,7 @@
         </p:nvSpPr>
         <p:spPr>
           <a:xfrm>
-            <a:off x="296674" y="5998690"/>
+            <a:off x="6275374" y="3466212"/>
             <a:ext cx="7305949" cy="523220"/>
           </a:xfrm>
           <a:prstGeom prst="rect">
@@ -7953,6 +8084,13 @@
                 <a:ea typeface="+mj-ea"/>
               </a:rPr>
               <a:t>Map&amp;Reduce</a:t>
+            </a:r>
+            <a:r>
+              <a:rPr lang="en-US" altLang="ko-KR" sz="1400">
+                <a:latin typeface="+mj-ea"/>
+                <a:ea typeface="+mj-ea"/>
+              </a:rPr>
+              <a:t> )</a:t>
             </a:r>
             <a:endParaRPr lang="ko-KR" altLang="en-US" sz="1400" dirty="0">
               <a:latin typeface="+mj-ea"/>
@@ -7990,8 +8128,8 @@
         </p:blipFill>
         <p:spPr bwMode="auto">
           <a:xfrm>
-            <a:off x="466111" y="4142658"/>
-            <a:ext cx="6967076" cy="1600343"/>
+            <a:off x="367788" y="3135790"/>
+            <a:ext cx="5541399" cy="1272864"/>
           </a:xfrm>
           <a:prstGeom prst="rect">
             <a:avLst/>
@@ -8008,6 +8146,247 @@
           </a:extLst>
         </p:spPr>
       </p:pic>
+      <p:pic>
+        <p:nvPicPr>
+          <p:cNvPr id="4098" name="Picture 2" descr="https://t1.daumcdn.net/cfile/tistory/19639B4B503A3A1D33">
+            <a:extLst>
+              <a:ext uri="{FF2B5EF4-FFF2-40B4-BE49-F238E27FC236}">
+                <a16:creationId xmlns:a16="http://schemas.microsoft.com/office/drawing/2014/main" id="{06B2D44A-5809-40BB-BC83-BCC948BFA42A}"/>
+              </a:ext>
+            </a:extLst>
+          </p:cNvPr>
+          <p:cNvPicPr>
+            <a:picLocks noChangeAspect="1" noChangeArrowheads="1"/>
+          </p:cNvPicPr>
+          <p:nvPr/>
+        </p:nvPicPr>
+        <p:blipFill>
+          <a:blip r:embed="rId5">
+            <a:extLst>
+              <a:ext uri="{28A0092B-C50C-407E-A947-70E740481C1C}">
+                <a14:useLocalDpi xmlns:a14="http://schemas.microsoft.com/office/drawing/2010/main" val="0"/>
+              </a:ext>
+            </a:extLst>
+          </a:blip>
+          <a:srcRect/>
+          <a:stretch>
+            <a:fillRect/>
+          </a:stretch>
+        </p:blipFill>
+        <p:spPr bwMode="auto">
+          <a:xfrm>
+            <a:off x="983226" y="4907999"/>
+            <a:ext cx="4454012" cy="1722218"/>
+          </a:xfrm>
+          <a:prstGeom prst="rect">
+            <a:avLst/>
+          </a:prstGeom>
+          <a:noFill/>
+          <a:extLst>
+            <a:ext uri="{909E8E84-426E-40DD-AFC4-6F175D3DCCD1}">
+              <a14:hiddenFill xmlns:a14="http://schemas.microsoft.com/office/drawing/2010/main">
+                <a:solidFill>
+                  <a:srgbClr val="FFFFFF"/>
+                </a:solidFill>
+              </a14:hiddenFill>
+            </a:ext>
+          </a:extLst>
+        </p:spPr>
+      </p:pic>
+      <p:sp>
+        <p:nvSpPr>
+          <p:cNvPr id="2" name="Rectangle 1">
+            <a:extLst>
+              <a:ext uri="{FF2B5EF4-FFF2-40B4-BE49-F238E27FC236}">
+                <a16:creationId xmlns:a16="http://schemas.microsoft.com/office/drawing/2014/main" id="{FFEFD47E-85B0-44E7-AC69-5ED22A3F2FF6}"/>
+              </a:ext>
+            </a:extLst>
+          </p:cNvPr>
+          <p:cNvSpPr/>
+          <p:nvPr/>
+        </p:nvSpPr>
+        <p:spPr>
+          <a:xfrm>
+            <a:off x="6275374" y="5375735"/>
+            <a:ext cx="5729813" cy="954107"/>
+          </a:xfrm>
+          <a:prstGeom prst="rect">
+            <a:avLst/>
+          </a:prstGeom>
+        </p:spPr>
+        <p:txBody>
+          <a:bodyPr wrap="square">
+            <a:spAutoFit/>
+          </a:bodyPr>
+          <a:lstStyle/>
+          <a:p>
+            <a:r>
+              <a:rPr lang="en-US" altLang="ko-KR" sz="1400" dirty="0">
+                <a:solidFill>
+                  <a:srgbClr val="333333"/>
+                </a:solidFill>
+                <a:latin typeface="+mj-ea"/>
+                <a:ea typeface="+mj-ea"/>
+              </a:rPr>
+              <a:t>Map &amp; Reduce</a:t>
+            </a:r>
+            <a:r>
+              <a:rPr lang="ko-KR" altLang="en-US" sz="1400" dirty="0">
+                <a:solidFill>
+                  <a:srgbClr val="333333"/>
+                </a:solidFill>
+                <a:latin typeface="+mj-ea"/>
+                <a:ea typeface="+mj-ea"/>
+              </a:rPr>
+              <a:t>는 </a:t>
+            </a:r>
+            <a:r>
+              <a:rPr lang="en-US" altLang="ko-KR" sz="1400" dirty="0">
+                <a:solidFill>
+                  <a:srgbClr val="333333"/>
+                </a:solidFill>
+                <a:latin typeface="+mj-ea"/>
+                <a:ea typeface="+mj-ea"/>
+              </a:rPr>
+              <a:t>Input </a:t>
+            </a:r>
+            <a:r>
+              <a:rPr lang="ko-KR" altLang="en-US" sz="1400" dirty="0" err="1">
+                <a:solidFill>
+                  <a:srgbClr val="333333"/>
+                </a:solidFill>
+                <a:latin typeface="+mj-ea"/>
+                <a:ea typeface="+mj-ea"/>
+              </a:rPr>
+              <a:t>데이타를</a:t>
+            </a:r>
+            <a:r>
+              <a:rPr lang="ko-KR" altLang="en-US" sz="1400" dirty="0">
+                <a:solidFill>
+                  <a:srgbClr val="333333"/>
+                </a:solidFill>
+                <a:latin typeface="+mj-ea"/>
+                <a:ea typeface="+mj-ea"/>
+              </a:rPr>
+              <a:t> 여러 조각으로 쪼갠 후</a:t>
+            </a:r>
+            <a:r>
+              <a:rPr lang="en-US" altLang="ko-KR" sz="1400" dirty="0">
+                <a:solidFill>
+                  <a:srgbClr val="333333"/>
+                </a:solidFill>
+                <a:latin typeface="+mj-ea"/>
+                <a:ea typeface="+mj-ea"/>
+              </a:rPr>
+              <a:t>, </a:t>
+            </a:r>
+          </a:p>
+          <a:p>
+            <a:r>
+              <a:rPr lang="ko-KR" altLang="en-US" sz="1400" dirty="0" err="1">
+                <a:solidFill>
+                  <a:srgbClr val="333333"/>
+                </a:solidFill>
+                <a:latin typeface="+mj-ea"/>
+                <a:ea typeface="+mj-ea"/>
+              </a:rPr>
+              <a:t>여러대의</a:t>
+            </a:r>
+            <a:r>
+              <a:rPr lang="ko-KR" altLang="en-US" sz="1400" dirty="0">
+                <a:solidFill>
+                  <a:srgbClr val="333333"/>
+                </a:solidFill>
+                <a:latin typeface="+mj-ea"/>
+                <a:ea typeface="+mj-ea"/>
+              </a:rPr>
+              <a:t> 서버에서 각 </a:t>
+            </a:r>
+            <a:r>
+              <a:rPr lang="ko-KR" altLang="en-US" sz="1400" dirty="0" err="1">
+                <a:solidFill>
+                  <a:srgbClr val="333333"/>
+                </a:solidFill>
+                <a:latin typeface="+mj-ea"/>
+                <a:ea typeface="+mj-ea"/>
+              </a:rPr>
+              <a:t>데이타</a:t>
+            </a:r>
+            <a:r>
+              <a:rPr lang="ko-KR" altLang="en-US" sz="1400" dirty="0">
+                <a:solidFill>
+                  <a:srgbClr val="333333"/>
+                </a:solidFill>
+                <a:latin typeface="+mj-ea"/>
+                <a:ea typeface="+mj-ea"/>
+              </a:rPr>
+              <a:t> 조각을 처리한후</a:t>
+            </a:r>
+            <a:r>
+              <a:rPr lang="en-US" altLang="ko-KR" sz="1400" dirty="0">
+                <a:solidFill>
+                  <a:srgbClr val="333333"/>
+                </a:solidFill>
+                <a:latin typeface="+mj-ea"/>
+                <a:ea typeface="+mj-ea"/>
+              </a:rPr>
+              <a:t>(Map), </a:t>
+            </a:r>
+          </a:p>
+          <a:p>
+            <a:r>
+              <a:rPr lang="ko-KR" altLang="en-US" sz="1400" dirty="0">
+                <a:solidFill>
+                  <a:srgbClr val="333333"/>
+                </a:solidFill>
+                <a:latin typeface="+mj-ea"/>
+                <a:ea typeface="+mj-ea"/>
+              </a:rPr>
+              <a:t>그 결과를 모아서 </a:t>
+            </a:r>
+            <a:r>
+              <a:rPr lang="en-US" altLang="ko-KR" sz="1400" dirty="0">
+                <a:solidFill>
+                  <a:srgbClr val="333333"/>
+                </a:solidFill>
+                <a:latin typeface="+mj-ea"/>
+                <a:ea typeface="+mj-ea"/>
+              </a:rPr>
+              <a:t>(Reduce) </a:t>
+            </a:r>
+            <a:r>
+              <a:rPr lang="ko-KR" altLang="en-US" sz="1400" dirty="0">
+                <a:solidFill>
+                  <a:srgbClr val="333333"/>
+                </a:solidFill>
+                <a:latin typeface="+mj-ea"/>
+                <a:ea typeface="+mj-ea"/>
+              </a:rPr>
+              <a:t>하나의 결과를 내는 분산 처리 </a:t>
+            </a:r>
+            <a:r>
+              <a:rPr lang="ko-KR" altLang="en-US" sz="1400" dirty="0" err="1">
+                <a:solidFill>
+                  <a:srgbClr val="333333"/>
+                </a:solidFill>
+                <a:latin typeface="+mj-ea"/>
+                <a:ea typeface="+mj-ea"/>
+              </a:rPr>
+              <a:t>아키텍쳐</a:t>
+            </a:r>
+            <a:br>
+              <a:rPr lang="ko-KR" altLang="en-US" sz="1400" dirty="0">
+                <a:latin typeface="+mj-ea"/>
+                <a:ea typeface="+mj-ea"/>
+              </a:rPr>
+            </a:br>
+            <a:endParaRPr lang="en-US" sz="1400" dirty="0">
+              <a:latin typeface="+mj-ea"/>
+              <a:ea typeface="+mj-ea"/>
+            </a:endParaRPr>
+          </a:p>
+        </p:txBody>
+      </p:sp>
     </p:spTree>
     <p:extLst>
       <p:ext uri="{BB962C8B-B14F-4D97-AF65-F5344CB8AC3E}">
@@ -8585,6 +8964,17 @@
               </a:rPr>
               <a:t> 키를 묶음</a:t>
             </a:r>
+            <a:r>
+              <a:rPr lang="en-US" altLang="ko-KR" sz="1400" dirty="0">
+                <a:latin typeface="+mj-ea"/>
+                <a:ea typeface="+mj-ea"/>
+              </a:rPr>
+              <a:t>. </a:t>
+            </a:r>
+            <a:endParaRPr lang="ko-KR" altLang="en-US" sz="1400" dirty="0">
+              <a:latin typeface="+mj-ea"/>
+              <a:ea typeface="+mj-ea"/>
+            </a:endParaRPr>
           </a:p>
         </p:txBody>
       </p:sp>
@@ -8618,50 +9008,6 @@
           <a:chExt cx="0" cy="0"/>
         </a:xfrm>
       </p:grpSpPr>
-      <p:sp>
-        <p:nvSpPr>
-          <p:cNvPr id="5" name="TextBox 4">
-            <a:extLst>
-              <a:ext uri="{FF2B5EF4-FFF2-40B4-BE49-F238E27FC236}">
-                <a16:creationId xmlns:a16="http://schemas.microsoft.com/office/drawing/2014/main" id="{DB8AA6BF-FD21-4A3B-9B8B-0265549D2DD1}"/>
-              </a:ext>
-            </a:extLst>
-          </p:cNvPr>
-          <p:cNvSpPr txBox="1"/>
-          <p:nvPr/>
-        </p:nvSpPr>
-        <p:spPr>
-          <a:xfrm>
-            <a:off x="205896" y="165848"/>
-            <a:ext cx="4251933" cy="400110"/>
-          </a:xfrm>
-          <a:prstGeom prst="rect">
-            <a:avLst/>
-          </a:prstGeom>
-          <a:noFill/>
-        </p:spPr>
-        <p:txBody>
-          <a:bodyPr wrap="none" rtlCol="0">
-            <a:spAutoFit/>
-          </a:bodyPr>
-          <a:lstStyle/>
-          <a:p>
-            <a:r>
-              <a:rPr lang="en-US" sz="2000" dirty="0"/>
-              <a:t>Inverted Search Index (</a:t>
-            </a:r>
-            <a:r>
-              <a:rPr lang="ko-KR" altLang="en-US" sz="2000" dirty="0"/>
-              <a:t>검색엔진 사용</a:t>
-            </a:r>
-            <a:r>
-              <a:rPr lang="en-US" altLang="ko-KR" sz="2000" dirty="0"/>
-              <a:t>)</a:t>
-            </a:r>
-            <a:endParaRPr lang="en-US" sz="2000" dirty="0"/>
-          </a:p>
-        </p:txBody>
-      </p:sp>
       <p:cxnSp>
         <p:nvCxnSpPr>
           <p:cNvPr id="7" name="Straight Connector 6">
@@ -8915,10 +9261,1118 @@
           </a:p>
         </p:txBody>
       </p:sp>
+      <p:sp>
+        <p:nvSpPr>
+          <p:cNvPr id="8" name="TextBox 7">
+            <a:extLst>
+              <a:ext uri="{FF2B5EF4-FFF2-40B4-BE49-F238E27FC236}">
+                <a16:creationId xmlns:a16="http://schemas.microsoft.com/office/drawing/2014/main" id="{4A87C068-F317-4DB2-8073-907E74C5E3F6}"/>
+              </a:ext>
+            </a:extLst>
+          </p:cNvPr>
+          <p:cNvSpPr txBox="1"/>
+          <p:nvPr/>
+        </p:nvSpPr>
+        <p:spPr>
+          <a:xfrm>
+            <a:off x="205896" y="165848"/>
+            <a:ext cx="4251933" cy="400110"/>
+          </a:xfrm>
+          <a:prstGeom prst="rect">
+            <a:avLst/>
+          </a:prstGeom>
+          <a:noFill/>
+        </p:spPr>
+        <p:txBody>
+          <a:bodyPr wrap="none" rtlCol="0">
+            <a:spAutoFit/>
+          </a:bodyPr>
+          <a:lstStyle/>
+          <a:p>
+            <a:r>
+              <a:rPr lang="en-US" sz="2000" dirty="0"/>
+              <a:t>Inverted Search Index (</a:t>
+            </a:r>
+            <a:r>
+              <a:rPr lang="ko-KR" altLang="en-US" sz="2000" dirty="0"/>
+              <a:t>검색엔진 사용</a:t>
+            </a:r>
+            <a:r>
+              <a:rPr lang="en-US" altLang="ko-KR" sz="2000" dirty="0"/>
+              <a:t>)</a:t>
+            </a:r>
+            <a:endParaRPr lang="en-US" sz="2000" dirty="0"/>
+          </a:p>
+        </p:txBody>
+      </p:sp>
+    </p:spTree>
+    <p:extLst>
+      <p:ext uri="{BB962C8B-B14F-4D97-AF65-F5344CB8AC3E}">
+        <p14:creationId xmlns:p14="http://schemas.microsoft.com/office/powerpoint/2010/main" val="2355087540"/>
+      </p:ext>
+    </p:extLst>
+  </p:cSld>
+  <p:clrMapOvr>
+    <a:masterClrMapping/>
+  </p:clrMapOvr>
+</p:sld>
+</file>
+
+<file path=ppt/slides/slide8.xml><?xml version="1.0" encoding="utf-8"?>
+<p:sld xmlns:a="http://schemas.openxmlformats.org/drawingml/2006/main" xmlns:r="http://schemas.openxmlformats.org/officeDocument/2006/relationships" xmlns:p="http://schemas.openxmlformats.org/presentationml/2006/main">
+  <p:cSld>
+    <p:spTree>
+      <p:nvGrpSpPr>
+        <p:cNvPr id="1" name=""/>
+        <p:cNvGrpSpPr/>
+        <p:nvPr/>
+      </p:nvGrpSpPr>
+      <p:grpSpPr>
+        <a:xfrm>
+          <a:off x="0" y="0"/>
+          <a:ext cx="0" cy="0"/>
+          <a:chOff x="0" y="0"/>
+          <a:chExt cx="0" cy="0"/>
+        </a:xfrm>
+      </p:grpSpPr>
+      <p:sp>
+        <p:nvSpPr>
+          <p:cNvPr id="5" name="TextBox 4">
+            <a:extLst>
+              <a:ext uri="{FF2B5EF4-FFF2-40B4-BE49-F238E27FC236}">
+                <a16:creationId xmlns:a16="http://schemas.microsoft.com/office/drawing/2014/main" id="{DB8AA6BF-FD21-4A3B-9B8B-0265549D2DD1}"/>
+              </a:ext>
+            </a:extLst>
+          </p:cNvPr>
+          <p:cNvSpPr txBox="1"/>
+          <p:nvPr/>
+        </p:nvSpPr>
+        <p:spPr>
+          <a:xfrm>
+            <a:off x="205896" y="165848"/>
+            <a:ext cx="2095445" cy="400110"/>
+          </a:xfrm>
+          <a:prstGeom prst="rect">
+            <a:avLst/>
+          </a:prstGeom>
+          <a:noFill/>
+        </p:spPr>
+        <p:txBody>
+          <a:bodyPr wrap="none" rtlCol="0">
+            <a:spAutoFit/>
+          </a:bodyPr>
+          <a:lstStyle/>
+          <a:p>
+            <a:r>
+              <a:rPr lang="ko-KR" altLang="en-US" sz="2000" dirty="0"/>
+              <a:t>계층 구조 모델링</a:t>
+            </a:r>
+            <a:endParaRPr lang="en-US" sz="2000" dirty="0"/>
+          </a:p>
+        </p:txBody>
+      </p:sp>
+      <p:cxnSp>
+        <p:nvCxnSpPr>
+          <p:cNvPr id="7" name="Straight Connector 6">
+            <a:extLst>
+              <a:ext uri="{FF2B5EF4-FFF2-40B4-BE49-F238E27FC236}">
+                <a16:creationId xmlns:a16="http://schemas.microsoft.com/office/drawing/2014/main" id="{30480E4C-5ABA-4A65-BF11-FD3A49EBDC63}"/>
+              </a:ext>
+            </a:extLst>
+          </p:cNvPr>
+          <p:cNvCxnSpPr/>
+          <p:nvPr/>
+        </p:nvCxnSpPr>
+        <p:spPr>
+          <a:xfrm>
+            <a:off x="227805" y="597700"/>
+            <a:ext cx="11600953" cy="0"/>
+          </a:xfrm>
+          <a:prstGeom prst="line">
+            <a:avLst/>
+          </a:prstGeom>
+          <a:ln w="19050">
+            <a:solidFill>
+              <a:schemeClr val="accent1">
+                <a:lumMod val="75000"/>
+              </a:schemeClr>
+            </a:solidFill>
+          </a:ln>
+        </p:spPr>
+        <p:style>
+          <a:lnRef idx="1">
+            <a:schemeClr val="accent1"/>
+          </a:lnRef>
+          <a:fillRef idx="0">
+            <a:schemeClr val="accent1"/>
+          </a:fillRef>
+          <a:effectRef idx="0">
+            <a:schemeClr val="accent1"/>
+          </a:effectRef>
+          <a:fontRef idx="minor">
+            <a:schemeClr val="tx1"/>
+          </a:fontRef>
+        </p:style>
+      </p:cxnSp>
+      <p:sp>
+        <p:nvSpPr>
+          <p:cNvPr id="8" name="TextBox 7">
+            <a:extLst>
+              <a:ext uri="{FF2B5EF4-FFF2-40B4-BE49-F238E27FC236}">
+                <a16:creationId xmlns:a16="http://schemas.microsoft.com/office/drawing/2014/main" id="{F70E5EBD-63A7-49EA-B64C-CDE9EB251392}"/>
+              </a:ext>
+            </a:extLst>
+          </p:cNvPr>
+          <p:cNvSpPr txBox="1"/>
+          <p:nvPr/>
+        </p:nvSpPr>
+        <p:spPr>
+          <a:xfrm>
+            <a:off x="227805" y="750867"/>
+            <a:ext cx="1597489" cy="338554"/>
+          </a:xfrm>
+          <a:prstGeom prst="rect">
+            <a:avLst/>
+          </a:prstGeom>
+          <a:noFill/>
+        </p:spPr>
+        <p:txBody>
+          <a:bodyPr wrap="none" rtlCol="0">
+            <a:spAutoFit/>
+          </a:bodyPr>
+          <a:lstStyle/>
+          <a:p>
+            <a:r>
+              <a:rPr lang="en-US" sz="1600" dirty="0"/>
+              <a:t>Tree Aggregation</a:t>
+            </a:r>
+          </a:p>
+        </p:txBody>
+      </p:sp>
+      <p:graphicFrame>
+        <p:nvGraphicFramePr>
+          <p:cNvPr id="9" name="Table 8">
+            <a:extLst>
+              <a:ext uri="{FF2B5EF4-FFF2-40B4-BE49-F238E27FC236}">
+                <a16:creationId xmlns:a16="http://schemas.microsoft.com/office/drawing/2014/main" id="{C0563561-EA28-453D-B9A7-7AC1E512B1B9}"/>
+              </a:ext>
+            </a:extLst>
+          </p:cNvPr>
+          <p:cNvGraphicFramePr>
+            <a:graphicFrameLocks noGrp="1"/>
+          </p:cNvGraphicFramePr>
+          <p:nvPr>
+            <p:extLst>
+              <p:ext uri="{D42A27DB-BD31-4B8C-83A1-F6EECF244321}">
+                <p14:modId xmlns:p14="http://schemas.microsoft.com/office/powerpoint/2010/main" val="3876736344"/>
+              </p:ext>
+            </p:extLst>
+          </p:nvPr>
+        </p:nvGraphicFramePr>
+        <p:xfrm>
+          <a:off x="274635" y="1401238"/>
+          <a:ext cx="4183194" cy="487680"/>
+        </p:xfrm>
+        <a:graphic>
+          <a:graphicData uri="http://schemas.openxmlformats.org/drawingml/2006/table">
+            <a:tbl>
+              <a:tblPr firstRow="1" bandRow="1">
+                <a:tableStyleId>{5C22544A-7EE6-4342-B048-85BDC9FD1C3A}</a:tableStyleId>
+              </a:tblPr>
+              <a:tblGrid>
+                <a:gridCol w="387943">
+                  <a:extLst>
+                    <a:ext uri="{9D8B030D-6E8A-4147-A177-3AD203B41FA5}">
+                      <a16:colId xmlns:a16="http://schemas.microsoft.com/office/drawing/2014/main" val="501410180"/>
+                    </a:ext>
+                  </a:extLst>
+                </a:gridCol>
+                <a:gridCol w="3795251">
+                  <a:extLst>
+                    <a:ext uri="{9D8B030D-6E8A-4147-A177-3AD203B41FA5}">
+                      <a16:colId xmlns:a16="http://schemas.microsoft.com/office/drawing/2014/main" val="1157475779"/>
+                    </a:ext>
+                  </a:extLst>
+                </a:gridCol>
+              </a:tblGrid>
+              <a:tr h="239400">
+                <a:tc>
+                  <a:txBody>
+                    <a:bodyPr/>
+                    <a:lstStyle/>
+                    <a:p>
+                      <a:r>
+                        <a:rPr lang="en-US" sz="1000" dirty="0"/>
+                        <a:t>Key</a:t>
+                      </a:r>
+                    </a:p>
+                  </a:txBody>
+                  <a:tcPr/>
+                </a:tc>
+                <a:tc>
+                  <a:txBody>
+                    <a:bodyPr/>
+                    <a:lstStyle/>
+                    <a:p>
+                      <a:r>
+                        <a:rPr lang="en-US" sz="1000" dirty="0" err="1"/>
+                        <a:t>Vlaue</a:t>
+                      </a:r>
+                      <a:endParaRPr lang="en-US" sz="1000" dirty="0"/>
+                    </a:p>
+                  </a:txBody>
+                  <a:tcPr/>
+                </a:tc>
+                <a:extLst>
+                  <a:ext uri="{0D108BD9-81ED-4DB2-BD59-A6C34878D82A}">
+                    <a16:rowId xmlns:a16="http://schemas.microsoft.com/office/drawing/2014/main" val="1413859457"/>
+                  </a:ext>
+                </a:extLst>
+              </a:tr>
+              <a:tr h="169708">
+                <a:tc>
+                  <a:txBody>
+                    <a:bodyPr/>
+                    <a:lstStyle/>
+                    <a:p>
+                      <a:r>
+                        <a:rPr lang="en-US" sz="1000" dirty="0"/>
+                        <a:t>A</a:t>
+                      </a:r>
+                    </a:p>
+                  </a:txBody>
+                  <a:tcPr/>
+                </a:tc>
+                <a:tc>
+                  <a:txBody>
+                    <a:bodyPr/>
+                    <a:lstStyle/>
+                    <a:p>
+                      <a:r>
+                        <a:rPr lang="en-US" sz="1000" dirty="0"/>
+                        <a:t>serialized Tree Data</a:t>
+                      </a:r>
+                    </a:p>
+                  </a:txBody>
+                  <a:tcPr/>
+                </a:tc>
+                <a:extLst>
+                  <a:ext uri="{0D108BD9-81ED-4DB2-BD59-A6C34878D82A}">
+                    <a16:rowId xmlns:a16="http://schemas.microsoft.com/office/drawing/2014/main" val="1142264014"/>
+                  </a:ext>
+                </a:extLst>
+              </a:tr>
+            </a:tbl>
+          </a:graphicData>
+        </a:graphic>
+      </p:graphicFrame>
+      <p:sp>
+        <p:nvSpPr>
+          <p:cNvPr id="10" name="TextBox 9">
+            <a:extLst>
+              <a:ext uri="{FF2B5EF4-FFF2-40B4-BE49-F238E27FC236}">
+                <a16:creationId xmlns:a16="http://schemas.microsoft.com/office/drawing/2014/main" id="{5BDAB090-E2C9-4833-B40D-BC75CB3E77E1}"/>
+              </a:ext>
+            </a:extLst>
+          </p:cNvPr>
+          <p:cNvSpPr txBox="1"/>
+          <p:nvPr/>
+        </p:nvSpPr>
+        <p:spPr>
+          <a:xfrm>
+            <a:off x="274635" y="1089421"/>
+            <a:ext cx="6696349" cy="307777"/>
+          </a:xfrm>
+          <a:prstGeom prst="rect">
+            <a:avLst/>
+          </a:prstGeom>
+          <a:noFill/>
+        </p:spPr>
+        <p:txBody>
+          <a:bodyPr wrap="square" rtlCol="0">
+            <a:spAutoFit/>
+          </a:bodyPr>
+          <a:lstStyle/>
+          <a:p>
+            <a:r>
+              <a:rPr lang="en-US" altLang="ko-KR" sz="1400" dirty="0">
+                <a:latin typeface="+mj-ea"/>
+                <a:ea typeface="+mj-ea"/>
+              </a:rPr>
+              <a:t>Tree </a:t>
+            </a:r>
+            <a:r>
+              <a:rPr lang="ko-KR" altLang="en-US" sz="1400" dirty="0">
+                <a:latin typeface="+mj-ea"/>
+                <a:ea typeface="+mj-ea"/>
+              </a:rPr>
+              <a:t>전체를 </a:t>
+            </a:r>
+            <a:r>
+              <a:rPr lang="en-US" altLang="ko-KR" sz="1400" dirty="0">
+                <a:latin typeface="+mj-ea"/>
+                <a:ea typeface="+mj-ea"/>
+              </a:rPr>
+              <a:t>json, xml </a:t>
+            </a:r>
+            <a:r>
+              <a:rPr lang="ko-KR" altLang="en-US" sz="1400" dirty="0">
+                <a:latin typeface="+mj-ea"/>
+                <a:ea typeface="+mj-ea"/>
+              </a:rPr>
+              <a:t>로 직렬화 하여 저장</a:t>
+            </a:r>
+            <a:r>
+              <a:rPr lang="en-US" altLang="ko-KR" sz="1400" dirty="0">
+                <a:latin typeface="+mj-ea"/>
+                <a:ea typeface="+mj-ea"/>
+              </a:rPr>
+              <a:t>. Tree</a:t>
+            </a:r>
+            <a:r>
+              <a:rPr lang="ko-KR" altLang="en-US" sz="1400" dirty="0">
+                <a:latin typeface="+mj-ea"/>
+                <a:ea typeface="+mj-ea"/>
+              </a:rPr>
+              <a:t>가 작고 변경이 적은 경우 사용</a:t>
+            </a:r>
+          </a:p>
+        </p:txBody>
+      </p:sp>
+      <p:sp>
+        <p:nvSpPr>
+          <p:cNvPr id="12" name="TextBox 11">
+            <a:extLst>
+              <a:ext uri="{FF2B5EF4-FFF2-40B4-BE49-F238E27FC236}">
+                <a16:creationId xmlns:a16="http://schemas.microsoft.com/office/drawing/2014/main" id="{41CAFE62-E6E3-42FA-BF74-7158A224BEEB}"/>
+              </a:ext>
+            </a:extLst>
+          </p:cNvPr>
+          <p:cNvSpPr txBox="1"/>
+          <p:nvPr/>
+        </p:nvSpPr>
+        <p:spPr>
+          <a:xfrm>
+            <a:off x="274635" y="2383303"/>
+            <a:ext cx="1248034" cy="338554"/>
+          </a:xfrm>
+          <a:prstGeom prst="rect">
+            <a:avLst/>
+          </a:prstGeom>
+          <a:noFill/>
+        </p:spPr>
+        <p:txBody>
+          <a:bodyPr wrap="none" rtlCol="0">
+            <a:spAutoFit/>
+          </a:bodyPr>
+          <a:lstStyle/>
+          <a:p>
+            <a:r>
+              <a:rPr lang="en-US" sz="1600" dirty="0"/>
+              <a:t>Adjacent List</a:t>
+            </a:r>
+          </a:p>
+        </p:txBody>
+      </p:sp>
+      <p:pic>
+        <p:nvPicPr>
+          <p:cNvPr id="1026" name="Picture 2" descr="https://t1.daumcdn.net/cfile/tistory/133BA849503A39952F">
+            <a:extLst>
+              <a:ext uri="{FF2B5EF4-FFF2-40B4-BE49-F238E27FC236}">
+                <a16:creationId xmlns:a16="http://schemas.microsoft.com/office/drawing/2014/main" id="{39422597-7934-48B7-A32E-03C293583AA6}"/>
+              </a:ext>
+            </a:extLst>
+          </p:cNvPr>
+          <p:cNvPicPr>
+            <a:picLocks noChangeAspect="1" noChangeArrowheads="1"/>
+          </p:cNvPicPr>
+          <p:nvPr/>
+        </p:nvPicPr>
+        <p:blipFill>
+          <a:blip r:embed="rId3">
+            <a:extLst>
+              <a:ext uri="{28A0092B-C50C-407E-A947-70E740481C1C}">
+                <a14:useLocalDpi xmlns:a14="http://schemas.microsoft.com/office/drawing/2010/main" val="0"/>
+              </a:ext>
+            </a:extLst>
+          </a:blip>
+          <a:srcRect/>
+          <a:stretch>
+            <a:fillRect/>
+          </a:stretch>
+        </p:blipFill>
+        <p:spPr bwMode="auto">
+          <a:xfrm>
+            <a:off x="274635" y="3543335"/>
+            <a:ext cx="5647132" cy="2563798"/>
+          </a:xfrm>
+          <a:prstGeom prst="rect">
+            <a:avLst/>
+          </a:prstGeom>
+          <a:noFill/>
+          <a:extLst>
+            <a:ext uri="{909E8E84-426E-40DD-AFC4-6F175D3DCCD1}">
+              <a14:hiddenFill xmlns:a14="http://schemas.microsoft.com/office/drawing/2010/main">
+                <a:solidFill>
+                  <a:srgbClr val="FFFFFF"/>
+                </a:solidFill>
+              </a14:hiddenFill>
+            </a:ext>
+          </a:extLst>
+        </p:spPr>
+      </p:pic>
+      <p:sp>
+        <p:nvSpPr>
+          <p:cNvPr id="13" name="TextBox 12">
+            <a:extLst>
+              <a:ext uri="{FF2B5EF4-FFF2-40B4-BE49-F238E27FC236}">
+                <a16:creationId xmlns:a16="http://schemas.microsoft.com/office/drawing/2014/main" id="{152C73BD-E8BF-4889-8072-00EAD7426772}"/>
+              </a:ext>
+            </a:extLst>
+          </p:cNvPr>
+          <p:cNvSpPr txBox="1"/>
+          <p:nvPr/>
+        </p:nvSpPr>
+        <p:spPr>
+          <a:xfrm>
+            <a:off x="274634" y="2743838"/>
+            <a:ext cx="6696349" cy="523220"/>
+          </a:xfrm>
+          <a:prstGeom prst="rect">
+            <a:avLst/>
+          </a:prstGeom>
+          <a:noFill/>
+        </p:spPr>
+        <p:txBody>
+          <a:bodyPr wrap="square" rtlCol="0">
+            <a:spAutoFit/>
+          </a:bodyPr>
+          <a:lstStyle/>
+          <a:p>
+            <a:r>
+              <a:rPr lang="ko-KR" altLang="en-US" sz="1400" dirty="0">
+                <a:latin typeface="+mj-ea"/>
+                <a:ea typeface="+mj-ea"/>
+              </a:rPr>
+              <a:t>노드의 관계를 저장</a:t>
+            </a:r>
+            <a:r>
+              <a:rPr lang="en-US" altLang="ko-KR" sz="1400" dirty="0">
+                <a:latin typeface="+mj-ea"/>
+                <a:ea typeface="+mj-ea"/>
+              </a:rPr>
+              <a:t>. </a:t>
+            </a:r>
+            <a:r>
+              <a:rPr lang="ko-KR" altLang="en-US" sz="1400" dirty="0">
+                <a:latin typeface="+mj-ea"/>
+                <a:ea typeface="+mj-ea"/>
+              </a:rPr>
+              <a:t>변경에 유리</a:t>
+            </a:r>
+            <a:r>
+              <a:rPr lang="en-US" altLang="ko-KR" sz="1400" dirty="0">
+                <a:latin typeface="+mj-ea"/>
+                <a:ea typeface="+mj-ea"/>
+              </a:rPr>
+              <a:t>. </a:t>
+            </a:r>
+            <a:br>
+              <a:rPr lang="en-US" altLang="ko-KR" sz="1400" dirty="0">
+                <a:latin typeface="+mj-ea"/>
+                <a:ea typeface="+mj-ea"/>
+              </a:rPr>
+            </a:br>
+            <a:r>
+              <a:rPr lang="ko-KR" altLang="en-US" sz="1400" dirty="0">
+                <a:latin typeface="+mj-ea"/>
+                <a:ea typeface="+mj-ea"/>
+              </a:rPr>
+              <a:t>조회에 불리</a:t>
+            </a:r>
+            <a:r>
+              <a:rPr lang="en-US" altLang="ko-KR" sz="1400" dirty="0">
+                <a:latin typeface="+mj-ea"/>
+                <a:ea typeface="+mj-ea"/>
+              </a:rPr>
+              <a:t>. (</a:t>
+            </a:r>
+            <a:r>
+              <a:rPr lang="ko-KR" altLang="en-US" sz="1400" dirty="0">
+                <a:latin typeface="+mj-ea"/>
+                <a:ea typeface="+mj-ea"/>
+              </a:rPr>
+              <a:t>전체 </a:t>
+            </a:r>
+            <a:r>
+              <a:rPr lang="ko-KR" altLang="en-US" sz="1400" dirty="0" err="1">
+                <a:latin typeface="+mj-ea"/>
+                <a:ea typeface="+mj-ea"/>
+              </a:rPr>
+              <a:t>조회시</a:t>
+            </a:r>
+            <a:r>
+              <a:rPr lang="ko-KR" altLang="en-US" sz="1400" dirty="0">
+                <a:latin typeface="+mj-ea"/>
+                <a:ea typeface="+mj-ea"/>
+              </a:rPr>
+              <a:t> </a:t>
+            </a:r>
+            <a:r>
+              <a:rPr lang="en-US" altLang="ko-KR" sz="1400" dirty="0">
+                <a:latin typeface="+mj-ea"/>
+                <a:ea typeface="+mj-ea"/>
+              </a:rPr>
+              <a:t>N</a:t>
+            </a:r>
+            <a:r>
+              <a:rPr lang="ko-KR" altLang="en-US" sz="1400" dirty="0">
+                <a:latin typeface="+mj-ea"/>
+                <a:ea typeface="+mj-ea"/>
+              </a:rPr>
+              <a:t>번 </a:t>
+            </a:r>
+            <a:r>
+              <a:rPr lang="en-US" altLang="ko-KR" sz="1400" dirty="0">
+                <a:latin typeface="+mj-ea"/>
+                <a:ea typeface="+mj-ea"/>
+              </a:rPr>
+              <a:t>IO </a:t>
+            </a:r>
+            <a:r>
+              <a:rPr lang="ko-KR" altLang="en-US" sz="1400" dirty="0">
+                <a:latin typeface="+mj-ea"/>
+                <a:ea typeface="+mj-ea"/>
+              </a:rPr>
+              <a:t>발생</a:t>
+            </a:r>
+            <a:r>
+              <a:rPr lang="en-US" altLang="ko-KR" sz="1400" dirty="0">
+                <a:latin typeface="+mj-ea"/>
+                <a:ea typeface="+mj-ea"/>
+              </a:rPr>
+              <a:t> RDBMS</a:t>
+            </a:r>
+            <a:r>
+              <a:rPr lang="ko-KR" altLang="en-US" sz="1400" dirty="0">
+                <a:latin typeface="+mj-ea"/>
+                <a:ea typeface="+mj-ea"/>
+              </a:rPr>
+              <a:t>는 </a:t>
+            </a:r>
+            <a:r>
+              <a:rPr lang="ko-KR" altLang="en-US" sz="1400" dirty="0" err="1">
+                <a:latin typeface="+mj-ea"/>
+                <a:ea typeface="+mj-ea"/>
+              </a:rPr>
+              <a:t>계층쿼리로</a:t>
+            </a:r>
+            <a:r>
+              <a:rPr lang="ko-KR" altLang="en-US" sz="1400" dirty="0">
+                <a:latin typeface="+mj-ea"/>
+                <a:ea typeface="+mj-ea"/>
+              </a:rPr>
+              <a:t> 해결</a:t>
+            </a:r>
+            <a:r>
+              <a:rPr lang="en-US" altLang="ko-KR" sz="1400" dirty="0">
+                <a:latin typeface="+mj-ea"/>
+                <a:ea typeface="+mj-ea"/>
+              </a:rPr>
+              <a:t>)</a:t>
+            </a:r>
+            <a:endParaRPr lang="ko-KR" altLang="en-US" sz="1400" dirty="0">
+              <a:latin typeface="+mj-ea"/>
+              <a:ea typeface="+mj-ea"/>
+            </a:endParaRPr>
+          </a:p>
+        </p:txBody>
+      </p:sp>
     </p:spTree>
     <p:extLst>
       <p:ext uri="{BB962C8B-B14F-4D97-AF65-F5344CB8AC3E}">
         <p14:creationId xmlns:p14="http://schemas.microsoft.com/office/powerpoint/2010/main" val="3369829543"/>
+      </p:ext>
+    </p:extLst>
+  </p:cSld>
+  <p:clrMapOvr>
+    <a:masterClrMapping/>
+  </p:clrMapOvr>
+</p:sld>
+</file>
+
+<file path=ppt/slides/slide9.xml><?xml version="1.0" encoding="utf-8"?>
+<p:sld xmlns:a="http://schemas.openxmlformats.org/drawingml/2006/main" xmlns:r="http://schemas.openxmlformats.org/officeDocument/2006/relationships" xmlns:p="http://schemas.openxmlformats.org/presentationml/2006/main">
+  <p:cSld>
+    <p:spTree>
+      <p:nvGrpSpPr>
+        <p:cNvPr id="1" name=""/>
+        <p:cNvGrpSpPr/>
+        <p:nvPr/>
+      </p:nvGrpSpPr>
+      <p:grpSpPr>
+        <a:xfrm>
+          <a:off x="0" y="0"/>
+          <a:ext cx="0" cy="0"/>
+          <a:chOff x="0" y="0"/>
+          <a:chExt cx="0" cy="0"/>
+        </a:xfrm>
+      </p:grpSpPr>
+      <p:sp>
+        <p:nvSpPr>
+          <p:cNvPr id="5" name="TextBox 4">
+            <a:extLst>
+              <a:ext uri="{FF2B5EF4-FFF2-40B4-BE49-F238E27FC236}">
+                <a16:creationId xmlns:a16="http://schemas.microsoft.com/office/drawing/2014/main" id="{DB8AA6BF-FD21-4A3B-9B8B-0265549D2DD1}"/>
+              </a:ext>
+            </a:extLst>
+          </p:cNvPr>
+          <p:cNvSpPr txBox="1"/>
+          <p:nvPr/>
+        </p:nvSpPr>
+        <p:spPr>
+          <a:xfrm>
+            <a:off x="205896" y="165848"/>
+            <a:ext cx="2095445" cy="400110"/>
+          </a:xfrm>
+          <a:prstGeom prst="rect">
+            <a:avLst/>
+          </a:prstGeom>
+          <a:noFill/>
+        </p:spPr>
+        <p:txBody>
+          <a:bodyPr wrap="none" rtlCol="0">
+            <a:spAutoFit/>
+          </a:bodyPr>
+          <a:lstStyle/>
+          <a:p>
+            <a:r>
+              <a:rPr lang="ko-KR" altLang="en-US" sz="2000" dirty="0"/>
+              <a:t>계층 구조 모델링</a:t>
+            </a:r>
+            <a:endParaRPr lang="en-US" sz="2000" dirty="0"/>
+          </a:p>
+        </p:txBody>
+      </p:sp>
+      <p:cxnSp>
+        <p:nvCxnSpPr>
+          <p:cNvPr id="7" name="Straight Connector 6">
+            <a:extLst>
+              <a:ext uri="{FF2B5EF4-FFF2-40B4-BE49-F238E27FC236}">
+                <a16:creationId xmlns:a16="http://schemas.microsoft.com/office/drawing/2014/main" id="{30480E4C-5ABA-4A65-BF11-FD3A49EBDC63}"/>
+              </a:ext>
+            </a:extLst>
+          </p:cNvPr>
+          <p:cNvCxnSpPr/>
+          <p:nvPr/>
+        </p:nvCxnSpPr>
+        <p:spPr>
+          <a:xfrm>
+            <a:off x="227805" y="597700"/>
+            <a:ext cx="11600953" cy="0"/>
+          </a:xfrm>
+          <a:prstGeom prst="line">
+            <a:avLst/>
+          </a:prstGeom>
+          <a:ln w="19050">
+            <a:solidFill>
+              <a:schemeClr val="accent1">
+                <a:lumMod val="75000"/>
+              </a:schemeClr>
+            </a:solidFill>
+          </a:ln>
+        </p:spPr>
+        <p:style>
+          <a:lnRef idx="1">
+            <a:schemeClr val="accent1"/>
+          </a:lnRef>
+          <a:fillRef idx="0">
+            <a:schemeClr val="accent1"/>
+          </a:fillRef>
+          <a:effectRef idx="0">
+            <a:schemeClr val="accent1"/>
+          </a:effectRef>
+          <a:fontRef idx="minor">
+            <a:schemeClr val="tx1"/>
+          </a:fontRef>
+        </p:style>
+      </p:cxnSp>
+      <p:sp>
+        <p:nvSpPr>
+          <p:cNvPr id="8" name="TextBox 7">
+            <a:extLst>
+              <a:ext uri="{FF2B5EF4-FFF2-40B4-BE49-F238E27FC236}">
+                <a16:creationId xmlns:a16="http://schemas.microsoft.com/office/drawing/2014/main" id="{F70E5EBD-63A7-49EA-B64C-CDE9EB251392}"/>
+              </a:ext>
+            </a:extLst>
+          </p:cNvPr>
+          <p:cNvSpPr txBox="1"/>
+          <p:nvPr/>
+        </p:nvSpPr>
+        <p:spPr>
+          <a:xfrm>
+            <a:off x="227805" y="750867"/>
+            <a:ext cx="1641155" cy="338554"/>
+          </a:xfrm>
+          <a:prstGeom prst="rect">
+            <a:avLst/>
+          </a:prstGeom>
+          <a:noFill/>
+        </p:spPr>
+        <p:txBody>
+          <a:bodyPr wrap="none" rtlCol="0">
+            <a:spAutoFit/>
+          </a:bodyPr>
+          <a:lstStyle/>
+          <a:p>
+            <a:r>
+              <a:rPr lang="en-US" sz="1600" dirty="0"/>
+              <a:t>Materialized Path</a:t>
+            </a:r>
+          </a:p>
+        </p:txBody>
+      </p:sp>
+      <p:sp>
+        <p:nvSpPr>
+          <p:cNvPr id="10" name="TextBox 9">
+            <a:extLst>
+              <a:ext uri="{FF2B5EF4-FFF2-40B4-BE49-F238E27FC236}">
+                <a16:creationId xmlns:a16="http://schemas.microsoft.com/office/drawing/2014/main" id="{5BDAB090-E2C9-4833-B40D-BC75CB3E77E1}"/>
+              </a:ext>
+            </a:extLst>
+          </p:cNvPr>
+          <p:cNvSpPr txBox="1"/>
+          <p:nvPr/>
+        </p:nvSpPr>
+        <p:spPr>
+          <a:xfrm>
+            <a:off x="274635" y="1089421"/>
+            <a:ext cx="6696349" cy="523220"/>
+          </a:xfrm>
+          <a:prstGeom prst="rect">
+            <a:avLst/>
+          </a:prstGeom>
+          <a:noFill/>
+        </p:spPr>
+        <p:txBody>
+          <a:bodyPr wrap="square" rtlCol="0">
+            <a:spAutoFit/>
+          </a:bodyPr>
+          <a:lstStyle/>
+          <a:p>
+            <a:r>
+              <a:rPr lang="en-US" altLang="ko-KR" sz="1400" dirty="0">
+                <a:latin typeface="+mj-ea"/>
+                <a:ea typeface="+mj-ea"/>
+              </a:rPr>
+              <a:t>Root</a:t>
+            </a:r>
+            <a:r>
+              <a:rPr lang="ko-KR" altLang="en-US" sz="1400" dirty="0">
+                <a:latin typeface="+mj-ea"/>
+                <a:ea typeface="+mj-ea"/>
+              </a:rPr>
+              <a:t>에서 현재 노드까지 전체 경로를 </a:t>
+            </a:r>
+            <a:r>
+              <a:rPr lang="en-US" altLang="ko-KR" sz="1400" dirty="0">
+                <a:latin typeface="+mj-ea"/>
+                <a:ea typeface="+mj-ea"/>
+              </a:rPr>
+              <a:t>key</a:t>
+            </a:r>
+            <a:r>
+              <a:rPr lang="ko-KR" altLang="en-US" sz="1400" dirty="0">
+                <a:latin typeface="+mj-ea"/>
+                <a:ea typeface="+mj-ea"/>
+              </a:rPr>
+              <a:t>로 저장</a:t>
+            </a:r>
+            <a:r>
+              <a:rPr lang="en-US" altLang="ko-KR" sz="1400" dirty="0">
+                <a:latin typeface="+mj-ea"/>
+                <a:ea typeface="+mj-ea"/>
+              </a:rPr>
+              <a:t>.</a:t>
+            </a:r>
+            <a:br>
+              <a:rPr lang="en-US" altLang="ko-KR" sz="1400" dirty="0">
+                <a:latin typeface="+mj-ea"/>
+                <a:ea typeface="+mj-ea"/>
+              </a:rPr>
+            </a:br>
+            <a:r>
+              <a:rPr lang="ko-KR" altLang="en-US" sz="1400" dirty="0" err="1">
+                <a:latin typeface="+mj-ea"/>
+                <a:ea typeface="+mj-ea"/>
+              </a:rPr>
+              <a:t>정규식</a:t>
+            </a:r>
+            <a:r>
+              <a:rPr lang="ko-KR" altLang="en-US" sz="1400" dirty="0">
+                <a:latin typeface="+mj-ea"/>
+                <a:ea typeface="+mj-ea"/>
+              </a:rPr>
+              <a:t> 검색을 지원하는 </a:t>
+            </a:r>
+            <a:r>
+              <a:rPr lang="en-US" altLang="ko-KR" sz="1400" dirty="0">
+                <a:latin typeface="+mj-ea"/>
+                <a:ea typeface="+mj-ea"/>
+              </a:rPr>
+              <a:t>DBMS</a:t>
+            </a:r>
+            <a:r>
+              <a:rPr lang="ko-KR" altLang="en-US" sz="1400" dirty="0">
+                <a:latin typeface="+mj-ea"/>
+                <a:ea typeface="+mj-ea"/>
+              </a:rPr>
+              <a:t>에 사용</a:t>
+            </a:r>
+            <a:r>
+              <a:rPr lang="en-US" altLang="ko-KR" sz="1400" dirty="0">
+                <a:latin typeface="+mj-ea"/>
+                <a:ea typeface="+mj-ea"/>
+              </a:rPr>
+              <a:t>. </a:t>
+            </a:r>
+            <a:r>
+              <a:rPr lang="ko-KR" altLang="en-US" sz="1400" dirty="0">
+                <a:latin typeface="+mj-ea"/>
+                <a:ea typeface="+mj-ea"/>
+              </a:rPr>
+              <a:t>변경 및 조회 모두 효과적</a:t>
+            </a:r>
+          </a:p>
+        </p:txBody>
+      </p:sp>
+      <p:pic>
+        <p:nvPicPr>
+          <p:cNvPr id="2050" name="Picture 2" descr="https://t1.daumcdn.net/cfile/tistory/14444049503A39B320">
+            <a:extLst>
+              <a:ext uri="{FF2B5EF4-FFF2-40B4-BE49-F238E27FC236}">
+                <a16:creationId xmlns:a16="http://schemas.microsoft.com/office/drawing/2014/main" id="{1AB28921-A595-44CB-A7AB-4D24CF1F4309}"/>
+              </a:ext>
+            </a:extLst>
+          </p:cNvPr>
+          <p:cNvPicPr>
+            <a:picLocks noChangeAspect="1" noChangeArrowheads="1"/>
+          </p:cNvPicPr>
+          <p:nvPr/>
+        </p:nvPicPr>
+        <p:blipFill>
+          <a:blip r:embed="rId3">
+            <a:extLst>
+              <a:ext uri="{28A0092B-C50C-407E-A947-70E740481C1C}">
+                <a14:useLocalDpi xmlns:a14="http://schemas.microsoft.com/office/drawing/2010/main" val="0"/>
+              </a:ext>
+            </a:extLst>
+          </a:blip>
+          <a:srcRect/>
+          <a:stretch>
+            <a:fillRect/>
+          </a:stretch>
+        </p:blipFill>
+        <p:spPr bwMode="auto">
+          <a:xfrm>
+            <a:off x="227804" y="1735752"/>
+            <a:ext cx="4825977" cy="1940043"/>
+          </a:xfrm>
+          <a:prstGeom prst="rect">
+            <a:avLst/>
+          </a:prstGeom>
+          <a:noFill/>
+          <a:extLst>
+            <a:ext uri="{909E8E84-426E-40DD-AFC4-6F175D3DCCD1}">
+              <a14:hiddenFill xmlns:a14="http://schemas.microsoft.com/office/drawing/2010/main">
+                <a:solidFill>
+                  <a:srgbClr val="FFFFFF"/>
+                </a:solidFill>
+              </a14:hiddenFill>
+            </a:ext>
+          </a:extLst>
+        </p:spPr>
+      </p:pic>
+      <p:sp>
+        <p:nvSpPr>
+          <p:cNvPr id="11" name="TextBox 10">
+            <a:extLst>
+              <a:ext uri="{FF2B5EF4-FFF2-40B4-BE49-F238E27FC236}">
+                <a16:creationId xmlns:a16="http://schemas.microsoft.com/office/drawing/2014/main" id="{B201FB7A-0759-43D2-BE5C-61F20B237ED4}"/>
+              </a:ext>
+            </a:extLst>
+          </p:cNvPr>
+          <p:cNvSpPr txBox="1"/>
+          <p:nvPr/>
+        </p:nvSpPr>
+        <p:spPr>
+          <a:xfrm>
+            <a:off x="227804" y="3967541"/>
+            <a:ext cx="1166538" cy="338554"/>
+          </a:xfrm>
+          <a:prstGeom prst="rect">
+            <a:avLst/>
+          </a:prstGeom>
+          <a:noFill/>
+        </p:spPr>
+        <p:txBody>
+          <a:bodyPr wrap="none" rtlCol="0">
+            <a:spAutoFit/>
+          </a:bodyPr>
+          <a:lstStyle/>
+          <a:p>
+            <a:r>
+              <a:rPr lang="en-US" sz="1600" dirty="0"/>
+              <a:t>Nested Sets</a:t>
+            </a:r>
+          </a:p>
+        </p:txBody>
+      </p:sp>
+      <p:sp>
+        <p:nvSpPr>
+          <p:cNvPr id="14" name="TextBox 13">
+            <a:extLst>
+              <a:ext uri="{FF2B5EF4-FFF2-40B4-BE49-F238E27FC236}">
+                <a16:creationId xmlns:a16="http://schemas.microsoft.com/office/drawing/2014/main" id="{317B0CFD-5142-405A-B0D4-ED667885EE1F}"/>
+              </a:ext>
+            </a:extLst>
+          </p:cNvPr>
+          <p:cNvSpPr txBox="1"/>
+          <p:nvPr/>
+        </p:nvSpPr>
+        <p:spPr>
+          <a:xfrm>
+            <a:off x="227804" y="4283012"/>
+            <a:ext cx="6696349" cy="523220"/>
+          </a:xfrm>
+          <a:prstGeom prst="rect">
+            <a:avLst/>
+          </a:prstGeom>
+          <a:noFill/>
+        </p:spPr>
+        <p:txBody>
+          <a:bodyPr wrap="square" rtlCol="0">
+            <a:spAutoFit/>
+          </a:bodyPr>
+          <a:lstStyle/>
+          <a:p>
+            <a:r>
+              <a:rPr lang="ko-KR" altLang="en-US" sz="1400" dirty="0">
+                <a:latin typeface="+mj-ea"/>
+                <a:ea typeface="+mj-ea"/>
+              </a:rPr>
+              <a:t>현재 노드의 자식 노드의 범위 정보를 저장</a:t>
+            </a:r>
+            <a:r>
+              <a:rPr lang="en-US" altLang="ko-KR" sz="1400" dirty="0">
+                <a:latin typeface="+mj-ea"/>
+                <a:ea typeface="+mj-ea"/>
+              </a:rPr>
+              <a:t>. </a:t>
+            </a:r>
+            <a:r>
+              <a:rPr lang="ko-KR" altLang="en-US" sz="1400" dirty="0">
+                <a:latin typeface="+mj-ea"/>
+                <a:ea typeface="+mj-ea"/>
+              </a:rPr>
+              <a:t>조회에 유리하지만 업데이트시 </a:t>
+            </a:r>
+            <a:r>
+              <a:rPr lang="en-US" altLang="ko-KR" sz="1400" dirty="0">
+                <a:latin typeface="+mj-ea"/>
+                <a:ea typeface="+mj-ea"/>
+              </a:rPr>
+              <a:t>index </a:t>
+            </a:r>
+            <a:r>
+              <a:rPr lang="ko-KR" altLang="en-US" sz="1400" dirty="0">
+                <a:latin typeface="+mj-ea"/>
+                <a:ea typeface="+mj-ea"/>
+              </a:rPr>
+              <a:t>재배열 로드 발생</a:t>
+            </a:r>
+            <a:r>
+              <a:rPr lang="en-US" altLang="ko-KR" sz="1400" dirty="0">
+                <a:latin typeface="+mj-ea"/>
+                <a:ea typeface="+mj-ea"/>
+              </a:rPr>
+              <a:t>. </a:t>
+            </a:r>
+            <a:r>
+              <a:rPr lang="ko-KR" altLang="en-US" sz="1400" dirty="0">
+                <a:latin typeface="+mj-ea"/>
+                <a:ea typeface="+mj-ea"/>
+              </a:rPr>
+              <a:t>변화가 적은 대규모 </a:t>
+            </a:r>
+            <a:r>
+              <a:rPr lang="ko-KR" altLang="en-US" sz="1400" dirty="0" err="1">
+                <a:latin typeface="+mj-ea"/>
+                <a:ea typeface="+mj-ea"/>
+              </a:rPr>
+              <a:t>트리등에</a:t>
+            </a:r>
+            <a:r>
+              <a:rPr lang="ko-KR" altLang="en-US" sz="1400" dirty="0">
+                <a:latin typeface="+mj-ea"/>
+                <a:ea typeface="+mj-ea"/>
+              </a:rPr>
+              <a:t> 유리</a:t>
+            </a:r>
+          </a:p>
+        </p:txBody>
+      </p:sp>
+      <p:pic>
+        <p:nvPicPr>
+          <p:cNvPr id="2054" name="Picture 6" descr="https://t1.daumcdn.net/cfile/tistory/1406E347503A39DD07">
+            <a:extLst>
+              <a:ext uri="{FF2B5EF4-FFF2-40B4-BE49-F238E27FC236}">
+                <a16:creationId xmlns:a16="http://schemas.microsoft.com/office/drawing/2014/main" id="{E6FCC91D-224C-40A2-9E21-7EF073354D4C}"/>
+              </a:ext>
+            </a:extLst>
+          </p:cNvPr>
+          <p:cNvPicPr>
+            <a:picLocks noChangeAspect="1" noChangeArrowheads="1"/>
+          </p:cNvPicPr>
+          <p:nvPr/>
+        </p:nvPicPr>
+        <p:blipFill>
+          <a:blip r:embed="rId4">
+            <a:extLst>
+              <a:ext uri="{28A0092B-C50C-407E-A947-70E740481C1C}">
+                <a14:useLocalDpi xmlns:a14="http://schemas.microsoft.com/office/drawing/2010/main" val="0"/>
+              </a:ext>
+            </a:extLst>
+          </a:blip>
+          <a:srcRect/>
+          <a:stretch>
+            <a:fillRect/>
+          </a:stretch>
+        </p:blipFill>
+        <p:spPr bwMode="auto">
+          <a:xfrm>
+            <a:off x="259541" y="4773632"/>
+            <a:ext cx="6478502" cy="1813981"/>
+          </a:xfrm>
+          <a:prstGeom prst="rect">
+            <a:avLst/>
+          </a:prstGeom>
+          <a:noFill/>
+          <a:extLst>
+            <a:ext uri="{909E8E84-426E-40DD-AFC4-6F175D3DCCD1}">
+              <a14:hiddenFill xmlns:a14="http://schemas.microsoft.com/office/drawing/2010/main">
+                <a:solidFill>
+                  <a:srgbClr val="FFFFFF"/>
+                </a:solidFill>
+              </a14:hiddenFill>
+            </a:ext>
+          </a:extLst>
+        </p:spPr>
+      </p:pic>
+    </p:spTree>
+    <p:extLst>
+      <p:ext uri="{BB962C8B-B14F-4D97-AF65-F5344CB8AC3E}">
+        <p14:creationId xmlns:p14="http://schemas.microsoft.com/office/powerpoint/2010/main" val="63682171"/>
       </p:ext>
     </p:extLst>
   </p:cSld>
